--- a/Presentation/Проект команды ПОГ.pptx
+++ b/Presentation/Проект команды ПОГ.pptx
@@ -283,7 +283,7 @@
           <a:p>
             <a:fld id="{5CD527B8-2A03-4C9A-A142-A2049755A1F8}" type="datetimeFigureOut">
               <a:rPr lang="ru-RU" smtClean="0"/>
-              <a:t>24.11.2022</a:t>
+              <a:t>25.11.2022</a:t>
             </a:fld>
             <a:endParaRPr lang="ru-RU"/>
           </a:p>
@@ -511,7 +511,7 @@
           <a:p>
             <a:fld id="{5CD527B8-2A03-4C9A-A142-A2049755A1F8}" type="datetimeFigureOut">
               <a:rPr lang="ru-RU" smtClean="0"/>
-              <a:t>24.11.2022</a:t>
+              <a:t>25.11.2022</a:t>
             </a:fld>
             <a:endParaRPr lang="ru-RU"/>
           </a:p>
@@ -691,7 +691,7 @@
           <a:p>
             <a:fld id="{5CD527B8-2A03-4C9A-A142-A2049755A1F8}" type="datetimeFigureOut">
               <a:rPr lang="ru-RU" smtClean="0"/>
-              <a:t>24.11.2022</a:t>
+              <a:t>25.11.2022</a:t>
             </a:fld>
             <a:endParaRPr lang="ru-RU"/>
           </a:p>
@@ -861,7 +861,7 @@
           <a:p>
             <a:fld id="{5CD527B8-2A03-4C9A-A142-A2049755A1F8}" type="datetimeFigureOut">
               <a:rPr lang="ru-RU" smtClean="0"/>
-              <a:t>24.11.2022</a:t>
+              <a:t>25.11.2022</a:t>
             </a:fld>
             <a:endParaRPr lang="ru-RU"/>
           </a:p>
@@ -1115,7 +1115,7 @@
           <a:p>
             <a:fld id="{5CD527B8-2A03-4C9A-A142-A2049755A1F8}" type="datetimeFigureOut">
               <a:rPr lang="ru-RU" smtClean="0"/>
-              <a:t>24.11.2022</a:t>
+              <a:t>25.11.2022</a:t>
             </a:fld>
             <a:endParaRPr lang="ru-RU"/>
           </a:p>
@@ -1441,7 +1441,7 @@
           <a:p>
             <a:fld id="{5CD527B8-2A03-4C9A-A142-A2049755A1F8}" type="datetimeFigureOut">
               <a:rPr lang="ru-RU" smtClean="0"/>
-              <a:t>24.11.2022</a:t>
+              <a:t>25.11.2022</a:t>
             </a:fld>
             <a:endParaRPr lang="ru-RU"/>
           </a:p>
@@ -1892,7 +1892,7 @@
           <a:p>
             <a:fld id="{5CD527B8-2A03-4C9A-A142-A2049755A1F8}" type="datetimeFigureOut">
               <a:rPr lang="ru-RU" smtClean="0"/>
-              <a:t>24.11.2022</a:t>
+              <a:t>25.11.2022</a:t>
             </a:fld>
             <a:endParaRPr lang="ru-RU"/>
           </a:p>
@@ -2010,7 +2010,7 @@
           <a:p>
             <a:fld id="{5CD527B8-2A03-4C9A-A142-A2049755A1F8}" type="datetimeFigureOut">
               <a:rPr lang="ru-RU" smtClean="0"/>
-              <a:t>24.11.2022</a:t>
+              <a:t>25.11.2022</a:t>
             </a:fld>
             <a:endParaRPr lang="ru-RU"/>
           </a:p>
@@ -2105,7 +2105,7 @@
           <a:p>
             <a:fld id="{5CD527B8-2A03-4C9A-A142-A2049755A1F8}" type="datetimeFigureOut">
               <a:rPr lang="ru-RU" smtClean="0"/>
-              <a:t>24.11.2022</a:t>
+              <a:t>25.11.2022</a:t>
             </a:fld>
             <a:endParaRPr lang="ru-RU"/>
           </a:p>
@@ -2392,7 +2392,7 @@
           <a:p>
             <a:fld id="{5CD527B8-2A03-4C9A-A142-A2049755A1F8}" type="datetimeFigureOut">
               <a:rPr lang="ru-RU" smtClean="0"/>
-              <a:t>24.11.2022</a:t>
+              <a:t>25.11.2022</a:t>
             </a:fld>
             <a:endParaRPr lang="ru-RU"/>
           </a:p>
@@ -2714,7 +2714,7 @@
           <a:p>
             <a:fld id="{5CD527B8-2A03-4C9A-A142-A2049755A1F8}" type="datetimeFigureOut">
               <a:rPr lang="ru-RU" smtClean="0"/>
-              <a:t>24.11.2022</a:t>
+              <a:t>25.11.2022</a:t>
             </a:fld>
             <a:endParaRPr lang="ru-RU"/>
           </a:p>
@@ -2968,7 +2968,7 @@
           <a:p>
             <a:fld id="{5CD527B8-2A03-4C9A-A142-A2049755A1F8}" type="datetimeFigureOut">
               <a:rPr lang="ru-RU" smtClean="0"/>
-              <a:t>24.11.2022</a:t>
+              <a:t>25.11.2022</a:t>
             </a:fld>
             <a:endParaRPr lang="ru-RU"/>
           </a:p>
@@ -3516,47 +3516,6 @@
           </a:p>
         </p:txBody>
       </p:sp>
-      <p:pic>
-        <p:nvPicPr>
-          <p:cNvPr id="1026" name="Picture 2" descr="https://sun9-38.userapi.com/impg/c855224/v855224590/1e0195/NWSlp00nc4Y.jpg?size=380x500&amp;quality=96&amp;sign=4b854c58d7d05a7ee6531fcc6def9569&amp;type=album"/>
-          <p:cNvPicPr>
-            <a:picLocks noChangeAspect="1" noChangeArrowheads="1"/>
-          </p:cNvPicPr>
-          <p:nvPr/>
-        </p:nvPicPr>
-        <p:blipFill>
-          <a:blip r:embed="rId2">
-            <a:extLst>
-              <a:ext uri="{28A0092B-C50C-407E-A947-70E740481C1C}">
-                <a14:useLocalDpi xmlns:a14="http://schemas.microsoft.com/office/drawing/2010/main" val="0"/>
-              </a:ext>
-            </a:extLst>
-          </a:blip>
-          <a:srcRect/>
-          <a:stretch>
-            <a:fillRect/>
-          </a:stretch>
-        </p:blipFill>
-        <p:spPr bwMode="auto">
-          <a:xfrm>
-            <a:off x="904820" y="3518969"/>
-            <a:ext cx="2134471" cy="2808514"/>
-          </a:xfrm>
-          <a:prstGeom prst="rect">
-            <a:avLst/>
-          </a:prstGeom>
-          <a:noFill/>
-          <a:extLst>
-            <a:ext uri="{909E8E84-426E-40DD-AFC4-6F175D3DCCD1}">
-              <a14:hiddenFill xmlns:a14="http://schemas.microsoft.com/office/drawing/2010/main">
-                <a:solidFill>
-                  <a:srgbClr val="FFFFFF"/>
-                </a:solidFill>
-              </a14:hiddenFill>
-            </a:ext>
-          </a:extLst>
-        </p:spPr>
-      </p:pic>
       <p:sp>
         <p:nvSpPr>
           <p:cNvPr id="4" name="TextBox 3"/>
@@ -3604,7 +3563,7 @@
           <p:nvPr/>
         </p:nvPicPr>
         <p:blipFill>
-          <a:blip r:embed="rId3" cstate="print">
+          <a:blip r:embed="rId2" cstate="print">
             <a:extLst>
               <a:ext uri="{28A0092B-C50C-407E-A947-70E740481C1C}">
                 <a14:useLocalDpi xmlns:a14="http://schemas.microsoft.com/office/drawing/2010/main" val="0"/>
@@ -3634,7 +3593,7 @@
           <p:nvPr/>
         </p:nvPicPr>
         <p:blipFill>
-          <a:blip r:embed="rId4" cstate="print">
+          <a:blip r:embed="rId3" cstate="print">
             <a:extLst>
               <a:ext uri="{28A0092B-C50C-407E-A947-70E740481C1C}">
                 <a14:useLocalDpi xmlns:a14="http://schemas.microsoft.com/office/drawing/2010/main" val="0"/>
@@ -3664,7 +3623,7 @@
           <p:nvPr/>
         </p:nvPicPr>
         <p:blipFill>
-          <a:blip r:embed="rId5" cstate="print">
+          <a:blip r:embed="rId4" cstate="print">
             <a:extLst>
               <a:ext uri="{28A0092B-C50C-407E-A947-70E740481C1C}">
                 <a14:useLocalDpi xmlns:a14="http://schemas.microsoft.com/office/drawing/2010/main" val="0"/>
@@ -3815,6 +3774,36 @@
           </a:p>
         </p:txBody>
       </p:sp>
+      <p:pic>
+        <p:nvPicPr>
+          <p:cNvPr id="8" name="Рисунок 7"/>
+          <p:cNvPicPr>
+            <a:picLocks noChangeAspect="1"/>
+          </p:cNvPicPr>
+          <p:nvPr/>
+        </p:nvPicPr>
+        <p:blipFill>
+          <a:blip r:embed="rId5">
+            <a:extLst>
+              <a:ext uri="{28A0092B-C50C-407E-A947-70E740481C1C}">
+                <a14:useLocalDpi xmlns:a14="http://schemas.microsoft.com/office/drawing/2010/main" val="0"/>
+              </a:ext>
+            </a:extLst>
+          </a:blip>
+          <a:stretch>
+            <a:fillRect/>
+          </a:stretch>
+        </p:blipFill>
+        <p:spPr>
+          <a:xfrm>
+            <a:off x="904820" y="3518969"/>
+            <a:ext cx="2134471" cy="2808514"/>
+          </a:xfrm>
+          <a:prstGeom prst="rect">
+            <a:avLst/>
+          </a:prstGeom>
+        </p:spPr>
+      </p:pic>
     </p:spTree>
     <p:extLst>
       <p:ext uri="{BB962C8B-B14F-4D97-AF65-F5344CB8AC3E}">
